--- a/security in pyhton/ppt/securety in python.pptx
+++ b/security in pyhton/ppt/securety in python.pptx
@@ -137,6 +137,122 @@
 </p:presentation>
 </file>
 
+<file path=ppt/ink/ink1.xml><?xml version="1.0" encoding="utf-8"?>
+<inkml:ink xmlns:inkml="http://www.w3.org/2003/InkML">
+  <inkml:definitions>
+    <inkml:context xml:id="ctx0">
+      <inkml:inkSource xml:id="inkSrc0">
+        <inkml:traceFormat>
+          <inkml:channel name="X" type="integer" min="-2.14748E9" max="2.14748E9" units="cm"/>
+          <inkml:channel name="Y" type="integer" min="-2.14748E9" max="2.14748E9" units="cm"/>
+        </inkml:traceFormat>
+        <inkml:channelProperties>
+          <inkml:channelProperty channel="X" name="resolution" value="1000" units="1/cm"/>
+          <inkml:channelProperty channel="Y" name="resolution" value="1000" units="1/cm"/>
+        </inkml:channelProperties>
+      </inkml:inkSource>
+      <inkml:timestamp xml:id="ts0" timeString="2025-10-07T04:29:13.556"/>
+    </inkml:context>
+    <inkml:brush xml:id="br0">
+      <inkml:brushProperty name="width" value="0.3" units="cm"/>
+      <inkml:brushProperty name="height" value="0.6" units="cm"/>
+      <inkml:brushProperty name="color" value="#FFFC00"/>
+      <inkml:brushProperty name="tip" value="rectangle"/>
+      <inkml:brushProperty name="rasterOp" value="maskPen"/>
+      <inkml:brushProperty name="ignorePressure" value="1"/>
+    </inkml:brush>
+  </inkml:definitions>
+  <inkml:trace contextRef="#ctx0" brushRef="#br0">0 0</inkml:trace>
+</inkml:ink>
+</file>
+
+<file path=ppt/ink/ink2.xml><?xml version="1.0" encoding="utf-8"?>
+<inkml:ink xmlns:inkml="http://www.w3.org/2003/InkML">
+  <inkml:definitions>
+    <inkml:context xml:id="ctx0">
+      <inkml:inkSource xml:id="inkSrc0">
+        <inkml:traceFormat>
+          <inkml:channel name="X" type="integer" min="-2.14748E9" max="2.14748E9" units="cm"/>
+          <inkml:channel name="Y" type="integer" min="-2.14748E9" max="2.14748E9" units="cm"/>
+        </inkml:traceFormat>
+        <inkml:channelProperties>
+          <inkml:channelProperty channel="X" name="resolution" value="1000" units="1/cm"/>
+          <inkml:channelProperty channel="Y" name="resolution" value="1000" units="1/cm"/>
+        </inkml:channelProperties>
+      </inkml:inkSource>
+      <inkml:timestamp xml:id="ts0" timeString="2025-10-07T04:29:14.242"/>
+    </inkml:context>
+    <inkml:brush xml:id="br0">
+      <inkml:brushProperty name="width" value="0.3" units="cm"/>
+      <inkml:brushProperty name="height" value="0.6" units="cm"/>
+      <inkml:brushProperty name="color" value="#FFFC00"/>
+      <inkml:brushProperty name="tip" value="rectangle"/>
+      <inkml:brushProperty name="rasterOp" value="maskPen"/>
+      <inkml:brushProperty name="ignorePressure" value="1"/>
+    </inkml:brush>
+  </inkml:definitions>
+  <inkml:trace contextRef="#ctx0" brushRef="#br0">0 0</inkml:trace>
+</inkml:ink>
+</file>
+
+<file path=ppt/ink/ink3.xml><?xml version="1.0" encoding="utf-8"?>
+<inkml:ink xmlns:inkml="http://www.w3.org/2003/InkML">
+  <inkml:definitions>
+    <inkml:context xml:id="ctx0">
+      <inkml:inkSource xml:id="inkSrc0">
+        <inkml:traceFormat>
+          <inkml:channel name="X" type="integer" min="-2.14748E9" max="2.14748E9" units="cm"/>
+          <inkml:channel name="Y" type="integer" min="-2.14748E9" max="2.14748E9" units="cm"/>
+        </inkml:traceFormat>
+        <inkml:channelProperties>
+          <inkml:channelProperty channel="X" name="resolution" value="1000" units="1/cm"/>
+          <inkml:channelProperty channel="Y" name="resolution" value="1000" units="1/cm"/>
+        </inkml:channelProperties>
+      </inkml:inkSource>
+      <inkml:timestamp xml:id="ts0" timeString="2025-10-07T04:29:15.484"/>
+    </inkml:context>
+    <inkml:brush xml:id="br0">
+      <inkml:brushProperty name="width" value="0.3" units="cm"/>
+      <inkml:brushProperty name="height" value="0.6" units="cm"/>
+      <inkml:brushProperty name="color" value="#FFFC00"/>
+      <inkml:brushProperty name="tip" value="rectangle"/>
+      <inkml:brushProperty name="rasterOp" value="maskPen"/>
+      <inkml:brushProperty name="ignorePressure" value="1"/>
+    </inkml:brush>
+  </inkml:definitions>
+  <inkml:trace contextRef="#ctx0" brushRef="#br0">1 1</inkml:trace>
+</inkml:ink>
+</file>
+
+<file path=ppt/ink/ink4.xml><?xml version="1.0" encoding="utf-8"?>
+<inkml:ink xmlns:inkml="http://www.w3.org/2003/InkML">
+  <inkml:definitions>
+    <inkml:context xml:id="ctx0">
+      <inkml:inkSource xml:id="inkSrc0">
+        <inkml:traceFormat>
+          <inkml:channel name="X" type="integer" min="-2.14748E9" max="2.14748E9" units="cm"/>
+          <inkml:channel name="Y" type="integer" min="-2.14748E9" max="2.14748E9" units="cm"/>
+        </inkml:traceFormat>
+        <inkml:channelProperties>
+          <inkml:channelProperty channel="X" name="resolution" value="1000" units="1/cm"/>
+          <inkml:channelProperty channel="Y" name="resolution" value="1000" units="1/cm"/>
+        </inkml:channelProperties>
+      </inkml:inkSource>
+      <inkml:timestamp xml:id="ts0" timeString="2025-10-07T04:29:16.089"/>
+    </inkml:context>
+    <inkml:brush xml:id="br0">
+      <inkml:brushProperty name="width" value="0.3" units="cm"/>
+      <inkml:brushProperty name="height" value="0.6" units="cm"/>
+      <inkml:brushProperty name="color" value="#FFFC00"/>
+      <inkml:brushProperty name="tip" value="rectangle"/>
+      <inkml:brushProperty name="rasterOp" value="maskPen"/>
+      <inkml:brushProperty name="ignorePressure" value="1"/>
+    </inkml:brush>
+  </inkml:definitions>
+  <inkml:trace contextRef="#ctx0" brushRef="#br0">1 1</inkml:trace>
+</inkml:ink>
+</file>
+
 <file path=ppt/notesMasters/notesMaster1.xml><?xml version="1.0" encoding="utf-8"?>
 <p:notesMaster xmlns:a="http://schemas.openxmlformats.org/drawingml/2006/main" xmlns:r="http://schemas.openxmlformats.org/officeDocument/2006/relationships" xmlns:p="http://schemas.openxmlformats.org/presentationml/2006/main">
   <p:cSld>
@@ -219,7 +335,7 @@
           <a:p>
             <a:fld id="{BD8DE5F0-F600-46C3-AE4D-5148C69FFBAD}" type="datetimeFigureOut">
               <a:rPr lang="en-US" smtClean="0"/>
-              <a:t>9/10/2025</a:t>
+              <a:t>10/7/2025</a:t>
             </a:fld>
             <a:endParaRPr lang="en-US"/>
           </a:p>
@@ -1015,9 +1131,9 @@
           <a:bodyPr/>
           <a:lstStyle/>
           <a:p>
-            <a:fld id="{8CFBE4D0-E68C-4FB2-8B3A-AA41DAF039F9}" type="datetimeFigureOut">
+            <a:fld id="{DA413C4F-2936-4BF0-8A7B-C9732744045A}" type="datetime1">
               <a:rPr lang="en-US" smtClean="0"/>
-              <a:t>9/10/2025</a:t>
+              <a:t>10/7/2025</a:t>
             </a:fld>
             <a:endParaRPr lang="en-US"/>
           </a:p>
@@ -1213,9 +1329,9 @@
           <a:bodyPr/>
           <a:lstStyle/>
           <a:p>
-            <a:fld id="{8CFBE4D0-E68C-4FB2-8B3A-AA41DAF039F9}" type="datetimeFigureOut">
+            <a:fld id="{0BBBD015-6F58-4F00-91D1-FA32DB310AC7}" type="datetime1">
               <a:rPr lang="en-US" smtClean="0"/>
-              <a:t>9/10/2025</a:t>
+              <a:t>10/7/2025</a:t>
             </a:fld>
             <a:endParaRPr lang="en-US"/>
           </a:p>
@@ -1421,9 +1537,9 @@
           <a:bodyPr/>
           <a:lstStyle/>
           <a:p>
-            <a:fld id="{8CFBE4D0-E68C-4FB2-8B3A-AA41DAF039F9}" type="datetimeFigureOut">
+            <a:fld id="{FFAF091A-E98B-49DD-94B0-F22C4B4E4567}" type="datetime1">
               <a:rPr lang="en-US" smtClean="0"/>
-              <a:t>9/10/2025</a:t>
+              <a:t>10/7/2025</a:t>
             </a:fld>
             <a:endParaRPr lang="en-US"/>
           </a:p>
@@ -1619,9 +1735,9 @@
           <a:bodyPr/>
           <a:lstStyle/>
           <a:p>
-            <a:fld id="{8CFBE4D0-E68C-4FB2-8B3A-AA41DAF039F9}" type="datetimeFigureOut">
+            <a:fld id="{544F397C-D30A-4BA3-A745-B39B22CEA3CD}" type="datetime1">
               <a:rPr lang="en-US" smtClean="0"/>
-              <a:t>9/10/2025</a:t>
+              <a:t>10/7/2025</a:t>
             </a:fld>
             <a:endParaRPr lang="en-US"/>
           </a:p>
@@ -1894,9 +2010,9 @@
           <a:bodyPr/>
           <a:lstStyle/>
           <a:p>
-            <a:fld id="{8CFBE4D0-E68C-4FB2-8B3A-AA41DAF039F9}" type="datetimeFigureOut">
+            <a:fld id="{26447902-B311-4163-B9B4-5AF4175A048D}" type="datetime1">
               <a:rPr lang="en-US" smtClean="0"/>
-              <a:t>9/10/2025</a:t>
+              <a:t>10/7/2025</a:t>
             </a:fld>
             <a:endParaRPr lang="en-US"/>
           </a:p>
@@ -2159,9 +2275,9 @@
           <a:bodyPr/>
           <a:lstStyle/>
           <a:p>
-            <a:fld id="{8CFBE4D0-E68C-4FB2-8B3A-AA41DAF039F9}" type="datetimeFigureOut">
+            <a:fld id="{779A273A-63D5-4196-BFA6-F7A25B7D425B}" type="datetime1">
               <a:rPr lang="en-US" smtClean="0"/>
-              <a:t>9/10/2025</a:t>
+              <a:t>10/7/2025</a:t>
             </a:fld>
             <a:endParaRPr lang="en-US"/>
           </a:p>
@@ -2571,9 +2687,9 @@
           <a:bodyPr/>
           <a:lstStyle/>
           <a:p>
-            <a:fld id="{8CFBE4D0-E68C-4FB2-8B3A-AA41DAF039F9}" type="datetimeFigureOut">
+            <a:fld id="{00DF5D04-096F-4CC3-8A9F-BEF3FF97AD28}" type="datetime1">
               <a:rPr lang="en-US" smtClean="0"/>
-              <a:t>9/10/2025</a:t>
+              <a:t>10/7/2025</a:t>
             </a:fld>
             <a:endParaRPr lang="en-US"/>
           </a:p>
@@ -2712,9 +2828,9 @@
           <a:bodyPr/>
           <a:lstStyle/>
           <a:p>
-            <a:fld id="{8CFBE4D0-E68C-4FB2-8B3A-AA41DAF039F9}" type="datetimeFigureOut">
+            <a:fld id="{6E5DE7F0-6C32-4648-A5AB-DE727A66AA38}" type="datetime1">
               <a:rPr lang="en-US" smtClean="0"/>
-              <a:t>9/10/2025</a:t>
+              <a:t>10/7/2025</a:t>
             </a:fld>
             <a:endParaRPr lang="en-US"/>
           </a:p>
@@ -2825,9 +2941,9 @@
           <a:bodyPr/>
           <a:lstStyle/>
           <a:p>
-            <a:fld id="{8CFBE4D0-E68C-4FB2-8B3A-AA41DAF039F9}" type="datetimeFigureOut">
+            <a:fld id="{CBF355F8-3F91-42E0-95A7-78C645604A2E}" type="datetime1">
               <a:rPr lang="en-US" smtClean="0"/>
-              <a:t>9/10/2025</a:t>
+              <a:t>10/7/2025</a:t>
             </a:fld>
             <a:endParaRPr lang="en-US"/>
           </a:p>
@@ -3136,9 +3252,9 @@
           <a:bodyPr/>
           <a:lstStyle/>
           <a:p>
-            <a:fld id="{8CFBE4D0-E68C-4FB2-8B3A-AA41DAF039F9}" type="datetimeFigureOut">
+            <a:fld id="{B19FDD3A-87FD-4B82-8C05-6DC079302848}" type="datetime1">
               <a:rPr lang="en-US" smtClean="0"/>
-              <a:t>9/10/2025</a:t>
+              <a:t>10/7/2025</a:t>
             </a:fld>
             <a:endParaRPr lang="en-US"/>
           </a:p>
@@ -3424,9 +3540,9 @@
           <a:bodyPr/>
           <a:lstStyle/>
           <a:p>
-            <a:fld id="{8CFBE4D0-E68C-4FB2-8B3A-AA41DAF039F9}" type="datetimeFigureOut">
+            <a:fld id="{2559480D-E3DA-4E06-96D2-AEBB5C9E4D0F}" type="datetime1">
               <a:rPr lang="en-US" smtClean="0"/>
-              <a:t>9/10/2025</a:t>
+              <a:t>10/7/2025</a:t>
             </a:fld>
             <a:endParaRPr lang="en-US"/>
           </a:p>
@@ -3665,9 +3781,9 @@
             </a:lvl1pPr>
           </a:lstStyle>
           <a:p>
-            <a:fld id="{8CFBE4D0-E68C-4FB2-8B3A-AA41DAF039F9}" type="datetimeFigureOut">
+            <a:fld id="{80CA6546-2E58-4AEE-B35E-1E0CF3E277FE}" type="datetime1">
               <a:rPr lang="en-US" smtClean="0"/>
-              <a:t>9/10/2025</a:t>
+              <a:t>10/7/2025</a:t>
             </a:fld>
             <a:endParaRPr lang="en-US"/>
           </a:p>
@@ -3784,6 +3900,7 @@
     <p:sldLayoutId id="2147483658" r:id="rId10"/>
     <p:sldLayoutId id="2147483659" r:id="rId11"/>
   </p:sldLayoutIdLst>
+  <p:hf sldNum="0" hdr="0" ftr="0" dt="0"/>
   <p:txStyles>
     <p:titleStyle>
       <a:lvl1pPr algn="l" defTabSz="914400" rtl="0" eaLnBrk="1" latinLnBrk="0" hangingPunct="1">
@@ -4205,8 +4322,8 @@
         </p:nvGrpSpPr>
         <p:grpSpPr>
           <a:xfrm rot="9009327">
-            <a:off x="4952185" y="1164403"/>
-            <a:ext cx="2299791" cy="5480193"/>
+            <a:off x="4849903" y="-21907"/>
+            <a:ext cx="2517636" cy="7438216"/>
             <a:chOff x="3753542" y="990487"/>
             <a:chExt cx="2046332" cy="4876222"/>
           </a:xfrm>
@@ -4666,8 +4783,8 @@
         </p:nvSpPr>
         <p:spPr>
           <a:xfrm>
-            <a:off x="1524000" y="613206"/>
-            <a:ext cx="9144000" cy="3207301"/>
+            <a:off x="1967695" y="2257063"/>
+            <a:ext cx="9028253" cy="2067828"/>
           </a:xfrm>
         </p:spPr>
         <p:txBody>
@@ -4677,7 +4794,7 @@
           <a:lstStyle/>
           <a:p>
             <a:r>
-              <a:rPr lang="en-IN" sz="4900" dirty="0">
+              <a:rPr lang="en-IN" sz="3600" b="1" dirty="0">
                 <a:solidFill>
                   <a:srgbClr val="C00000"/>
                 </a:solidFill>
@@ -4688,7 +4805,7 @@
               <a:t>Secure Python Login And </a:t>
             </a:r>
             <a:r>
-              <a:rPr lang="en-IN" sz="4900" dirty="0" err="1">
+              <a:rPr lang="en-IN" sz="3600" b="1" dirty="0" err="1">
                 <a:solidFill>
                   <a:srgbClr val="C00000"/>
                 </a:solidFill>
@@ -4699,7 +4816,7 @@
               <a:t>Jwt</a:t>
             </a:r>
             <a:r>
-              <a:rPr lang="en-IN" sz="4900" dirty="0">
+              <a:rPr lang="en-IN" sz="3600" b="1" dirty="0">
                 <a:solidFill>
                   <a:srgbClr val="C00000"/>
                 </a:solidFill>
@@ -4710,7 +4827,7 @@
               <a:t> Security Powered By Python </a:t>
             </a:r>
             <a:br>
-              <a:rPr lang="en-IN" sz="4900" dirty="0">
+              <a:rPr lang="en-IN" sz="3600" b="1" dirty="0">
                 <a:solidFill>
                   <a:srgbClr val="C00000"/>
                 </a:solidFill>
@@ -4720,7 +4837,7 @@
               </a:rPr>
             </a:br>
             <a:r>
-              <a:rPr lang="en-IN" sz="4900" dirty="0">
+              <a:rPr lang="en-IN" sz="3600" b="1" dirty="0">
                 <a:solidFill>
                   <a:srgbClr val="C00000"/>
                 </a:solidFill>
@@ -4728,64 +4845,9 @@
                 <a:latin typeface="Times New Roman" panose="02020603050405020304" pitchFamily="18" charset="0"/>
                 <a:ea typeface="Calibri" panose="020F0502020204030204" pitchFamily="34" charset="0"/>
               </a:rPr>
-              <a:t>&amp;Dynamic </a:t>
+              <a:t>&amp;Dynamic RBAC &amp; MongoDB With Fast Api</a:t>
             </a:r>
-            <a:r>
-              <a:rPr lang="en-IN" sz="4900" dirty="0" err="1">
-                <a:solidFill>
-                  <a:srgbClr val="C00000"/>
-                </a:solidFill>
-                <a:effectLst/>
-                <a:latin typeface="Times New Roman" panose="02020603050405020304" pitchFamily="18" charset="0"/>
-                <a:ea typeface="Calibri" panose="020F0502020204030204" pitchFamily="34" charset="0"/>
-              </a:rPr>
-              <a:t>Rbac</a:t>
-            </a:r>
-            <a:r>
-              <a:rPr lang="en-IN" sz="4900" dirty="0">
-                <a:solidFill>
-                  <a:srgbClr val="C00000"/>
-                </a:solidFill>
-                <a:effectLst/>
-                <a:latin typeface="Times New Roman" panose="02020603050405020304" pitchFamily="18" charset="0"/>
-                <a:ea typeface="Calibri" panose="020F0502020204030204" pitchFamily="34" charset="0"/>
-              </a:rPr>
-              <a:t> &amp;</a:t>
-            </a:r>
-            <a:r>
-              <a:rPr lang="en-IN" sz="4900" dirty="0" err="1">
-                <a:solidFill>
-                  <a:srgbClr val="C00000"/>
-                </a:solidFill>
-                <a:effectLst/>
-                <a:latin typeface="Times New Roman" panose="02020603050405020304" pitchFamily="18" charset="0"/>
-                <a:ea typeface="Calibri" panose="020F0502020204030204" pitchFamily="34" charset="0"/>
-              </a:rPr>
-              <a:t>Mongodb</a:t>
-            </a:r>
-            <a:r>
-              <a:rPr lang="en-IN" sz="4900" b="1" dirty="0">
-                <a:solidFill>
-                  <a:srgbClr val="C00000"/>
-                </a:solidFill>
-                <a:effectLst/>
-                <a:latin typeface="Times New Roman" panose="02020603050405020304" pitchFamily="18" charset="0"/>
-                <a:ea typeface="Calibri" panose="020F0502020204030204" pitchFamily="34" charset="0"/>
-              </a:rPr>
-              <a:t> </a:t>
-            </a:r>
-            <a:r>
-              <a:rPr lang="en-IN" sz="4900" dirty="0">
-                <a:solidFill>
-                  <a:srgbClr val="C00000"/>
-                </a:solidFill>
-                <a:effectLst/>
-                <a:latin typeface="Times New Roman" panose="02020603050405020304" pitchFamily="18" charset="0"/>
-                <a:ea typeface="Calibri" panose="020F0502020204030204" pitchFamily="34" charset="0"/>
-              </a:rPr>
-              <a:t>With Fast Api</a:t>
-            </a:r>
-            <a:endParaRPr lang="en-IN" dirty="0"/>
+            <a:endParaRPr lang="en-IN" sz="3600" b="1" dirty="0"/>
           </a:p>
         </p:txBody>
       </p:sp>
@@ -10624,10 +10686,10 @@
         </p:nvGrpSpPr>
         <p:grpSpPr>
           <a:xfrm>
-            <a:off x="221986" y="6188230"/>
-            <a:ext cx="5699842" cy="388987"/>
-            <a:chOff x="618333" y="6026099"/>
-            <a:chExt cx="4886323" cy="388987"/>
+            <a:off x="221986" y="6071432"/>
+            <a:ext cx="6086212" cy="584775"/>
+            <a:chOff x="618333" y="5909301"/>
+            <a:chExt cx="5217548" cy="584775"/>
           </a:xfrm>
         </p:grpSpPr>
         <p:sp>
@@ -10644,8 +10706,8 @@
           </p:nvSpPr>
           <p:spPr>
             <a:xfrm>
-              <a:off x="1123157" y="6050614"/>
-              <a:ext cx="4381499" cy="338554"/>
+              <a:off x="1272464" y="5909301"/>
+              <a:ext cx="4563417" cy="584775"/>
             </a:xfrm>
             <a:prstGeom prst="rect">
               <a:avLst/>
@@ -10658,10 +10720,46 @@
             </a:bodyPr>
             <a:lstStyle/>
             <a:p>
-              <a:endParaRPr lang="en-US" sz="1600">
-                <a:solidFill>
-                  <a:srgbClr val="1B134C"/>
-                </a:solidFill>
+              <a:r>
+                <a:rPr lang="en-IN" sz="1600" dirty="0">
+                  <a:effectLst/>
+                  <a:latin typeface="Times New Roman" panose="02020603050405020304" pitchFamily="18" charset="0"/>
+                  <a:ea typeface="Calibri" panose="020F0502020204030204" pitchFamily="34" charset="0"/>
+                </a:rPr>
+                <a:t>Secure Python Login And JWT Security Powered By Python </a:t>
+              </a:r>
+              <a:br>
+                <a:rPr lang="en-IN" sz="1600" dirty="0">
+                  <a:effectLst/>
+                  <a:latin typeface="Times New Roman" panose="02020603050405020304" pitchFamily="18" charset="0"/>
+                  <a:ea typeface="Calibri" panose="020F0502020204030204" pitchFamily="34" charset="0"/>
+                </a:rPr>
+              </a:br>
+              <a:r>
+                <a:rPr lang="en-IN" sz="1600" dirty="0">
+                  <a:effectLst/>
+                  <a:latin typeface="Times New Roman" panose="02020603050405020304" pitchFamily="18" charset="0"/>
+                  <a:ea typeface="Calibri" panose="020F0502020204030204" pitchFamily="34" charset="0"/>
+                </a:rPr>
+                <a:t>&amp;Dynamic RBAC &amp; </a:t>
+              </a:r>
+              <a:r>
+                <a:rPr lang="en-IN" sz="1600" dirty="0" err="1">
+                  <a:effectLst/>
+                  <a:latin typeface="Times New Roman" panose="02020603050405020304" pitchFamily="18" charset="0"/>
+                  <a:ea typeface="Calibri" panose="020F0502020204030204" pitchFamily="34" charset="0"/>
+                </a:rPr>
+                <a:t>Mongodb</a:t>
+              </a:r>
+              <a:r>
+                <a:rPr lang="en-IN" sz="1600" dirty="0">
+                  <a:effectLst/>
+                  <a:latin typeface="Times New Roman" panose="02020603050405020304" pitchFamily="18" charset="0"/>
+                  <a:ea typeface="Calibri" panose="020F0502020204030204" pitchFamily="34" charset="0"/>
+                </a:rPr>
+                <a:t> With Fast Api</a:t>
+              </a:r>
+              <a:endParaRPr lang="en-US" sz="1600" dirty="0">
                 <a:latin typeface="Poppins" panose="00000500000000000000" pitchFamily="2" charset="0"/>
                 <a:cs typeface="Poppins" panose="00000500000000000000" pitchFamily="2" charset="0"/>
               </a:endParaRPr>
@@ -15264,15 +15362,7 @@
           <a:p>
             <a:r>
               <a:rPr lang="en-IN" sz="3200" dirty="0"/>
-              <a:t> Demo Project </a:t>
-            </a:r>
-            <a:r>
-              <a:rPr lang="en-IN" sz="3200" dirty="0" err="1"/>
-              <a:t>sturture</a:t>
-            </a:r>
-            <a:r>
-              <a:rPr lang="en-IN" sz="3200" dirty="0"/>
-              <a:t> and results</a:t>
+              <a:t> Demo Project structure and results</a:t>
             </a:r>
           </a:p>
           <a:p>
@@ -15300,10 +15390,10 @@
         </p:nvGrpSpPr>
         <p:grpSpPr>
           <a:xfrm>
-            <a:off x="232871" y="6271130"/>
-            <a:ext cx="5514785" cy="388987"/>
+            <a:off x="232871" y="6020404"/>
+            <a:ext cx="6387844" cy="1167474"/>
             <a:chOff x="618333" y="6026099"/>
-            <a:chExt cx="4886323" cy="388987"/>
+            <a:chExt cx="5659889" cy="855512"/>
           </a:xfrm>
         </p:grpSpPr>
         <p:sp>
@@ -15320,8 +15410,8 @@
           </p:nvSpPr>
           <p:spPr>
             <a:xfrm>
-              <a:off x="1123157" y="6050614"/>
-              <a:ext cx="4381499" cy="338554"/>
+              <a:off x="1123156" y="6050614"/>
+              <a:ext cx="5155066" cy="830997"/>
             </a:xfrm>
             <a:prstGeom prst="rect">
               <a:avLst/>
@@ -15334,7 +15424,52 @@
             </a:bodyPr>
             <a:lstStyle/>
             <a:p>
-              <a:endParaRPr lang="en-US" sz="1600">
+              <a:r>
+                <a:rPr lang="en-IN" sz="1600" dirty="0">
+                  <a:effectLst/>
+                  <a:latin typeface="Times New Roman" panose="02020603050405020304" pitchFamily="18" charset="0"/>
+                  <a:ea typeface="Calibri" panose="020F0502020204030204" pitchFamily="34" charset="0"/>
+                </a:rPr>
+                <a:t>Secure Python Login And JWT Security Powered By Python </a:t>
+              </a:r>
+              <a:br>
+                <a:rPr lang="en-IN" sz="1600" dirty="0">
+                  <a:effectLst/>
+                  <a:latin typeface="Times New Roman" panose="02020603050405020304" pitchFamily="18" charset="0"/>
+                  <a:ea typeface="Calibri" panose="020F0502020204030204" pitchFamily="34" charset="0"/>
+                </a:rPr>
+              </a:br>
+              <a:r>
+                <a:rPr lang="en-IN" sz="1600" dirty="0">
+                  <a:effectLst/>
+                  <a:latin typeface="Times New Roman" panose="02020603050405020304" pitchFamily="18" charset="0"/>
+                  <a:ea typeface="Calibri" panose="020F0502020204030204" pitchFamily="34" charset="0"/>
+                </a:rPr>
+                <a:t>&amp;Dynamic RBAC &amp; </a:t>
+              </a:r>
+              <a:r>
+                <a:rPr lang="en-IN" sz="1600" dirty="0" err="1">
+                  <a:effectLst/>
+                  <a:latin typeface="Times New Roman" panose="02020603050405020304" pitchFamily="18" charset="0"/>
+                  <a:ea typeface="Calibri" panose="020F0502020204030204" pitchFamily="34" charset="0"/>
+                </a:rPr>
+                <a:t>Mongodb</a:t>
+              </a:r>
+              <a:r>
+                <a:rPr lang="en-IN" sz="1600" dirty="0">
+                  <a:effectLst/>
+                  <a:latin typeface="Times New Roman" panose="02020603050405020304" pitchFamily="18" charset="0"/>
+                  <a:ea typeface="Calibri" panose="020F0502020204030204" pitchFamily="34" charset="0"/>
+                </a:rPr>
+                <a:t> With Fast Api</a:t>
+              </a:r>
+              <a:endParaRPr lang="en-US" sz="1600" dirty="0">
+                <a:latin typeface="Poppins" panose="00000500000000000000" pitchFamily="2" charset="0"/>
+                <a:cs typeface="Poppins" panose="00000500000000000000" pitchFamily="2" charset="0"/>
+              </a:endParaRPr>
+            </a:p>
+            <a:p>
+              <a:endParaRPr lang="en-US" sz="1600" dirty="0">
                 <a:solidFill>
                   <a:srgbClr val="1B134C"/>
                 </a:solidFill>
@@ -15967,10 +16102,10 @@
         </p:nvGrpSpPr>
         <p:grpSpPr>
           <a:xfrm>
-            <a:off x="232872" y="6271130"/>
-            <a:ext cx="5384157" cy="388987"/>
+            <a:off x="232872" y="6007261"/>
+            <a:ext cx="6438900" cy="1689904"/>
             <a:chOff x="618333" y="6026099"/>
-            <a:chExt cx="4886323" cy="388987"/>
+            <a:chExt cx="4886323" cy="1101733"/>
           </a:xfrm>
         </p:grpSpPr>
         <p:sp>
@@ -15988,7 +16123,7 @@
           <p:spPr>
             <a:xfrm>
               <a:off x="1123157" y="6050614"/>
-              <a:ext cx="4381499" cy="338554"/>
+              <a:ext cx="4381499" cy="1077218"/>
             </a:xfrm>
             <a:prstGeom prst="rect">
               <a:avLst/>
@@ -16001,7 +16136,52 @@
             </a:bodyPr>
             <a:lstStyle/>
             <a:p>
-              <a:endParaRPr lang="en-US" sz="1600">
+              <a:r>
+                <a:rPr lang="en-IN" sz="1600" dirty="0">
+                  <a:effectLst/>
+                  <a:latin typeface="Times New Roman" panose="02020603050405020304" pitchFamily="18" charset="0"/>
+                  <a:ea typeface="Calibri" panose="020F0502020204030204" pitchFamily="34" charset="0"/>
+                </a:rPr>
+                <a:t>Secure Python Login And JWT Security Powered By Python </a:t>
+              </a:r>
+              <a:br>
+                <a:rPr lang="en-IN" sz="1600" dirty="0">
+                  <a:effectLst/>
+                  <a:latin typeface="Times New Roman" panose="02020603050405020304" pitchFamily="18" charset="0"/>
+                  <a:ea typeface="Calibri" panose="020F0502020204030204" pitchFamily="34" charset="0"/>
+                </a:rPr>
+              </a:br>
+              <a:r>
+                <a:rPr lang="en-IN" sz="1600" dirty="0">
+                  <a:effectLst/>
+                  <a:latin typeface="Times New Roman" panose="02020603050405020304" pitchFamily="18" charset="0"/>
+                  <a:ea typeface="Calibri" panose="020F0502020204030204" pitchFamily="34" charset="0"/>
+                </a:rPr>
+                <a:t>&amp;Dynamic RBAC &amp; </a:t>
+              </a:r>
+              <a:r>
+                <a:rPr lang="en-IN" sz="1600" dirty="0" err="1">
+                  <a:effectLst/>
+                  <a:latin typeface="Times New Roman" panose="02020603050405020304" pitchFamily="18" charset="0"/>
+                  <a:ea typeface="Calibri" panose="020F0502020204030204" pitchFamily="34" charset="0"/>
+                </a:rPr>
+                <a:t>Mongodb</a:t>
+              </a:r>
+              <a:r>
+                <a:rPr lang="en-IN" sz="1600" dirty="0">
+                  <a:effectLst/>
+                  <a:latin typeface="Times New Roman" panose="02020603050405020304" pitchFamily="18" charset="0"/>
+                  <a:ea typeface="Calibri" panose="020F0502020204030204" pitchFamily="34" charset="0"/>
+                </a:rPr>
+                <a:t> With Fast Api</a:t>
+              </a:r>
+              <a:endParaRPr lang="en-US" sz="1600" dirty="0">
+                <a:latin typeface="Poppins" panose="00000500000000000000" pitchFamily="2" charset="0"/>
+                <a:cs typeface="Poppins" panose="00000500000000000000" pitchFamily="2" charset="0"/>
+              </a:endParaRPr>
+            </a:p>
+            <a:p>
+              <a:endParaRPr lang="en-US" sz="1600" dirty="0">
                 <a:solidFill>
                   <a:srgbClr val="1B134C"/>
                 </a:solidFill>
@@ -18177,7 +18357,14 @@
             <a:lstStyle/>
             <a:p>
               <a:pPr algn="ctr"/>
-              <a:endParaRPr lang="en-US"/>
+              <a:endParaRPr lang="en-US">
+                <a:solidFill>
+                  <a:schemeClr val="tx1">
+                    <a:lumMod val="65000"/>
+                    <a:lumOff val="35000"/>
+                  </a:schemeClr>
+                </a:solidFill>
+              </a:endParaRPr>
             </a:p>
           </p:txBody>
         </p:sp>
@@ -18651,6 +18838,210 @@
           </a:prstGeom>
         </p:spPr>
       </p:pic>
+      <mc:AlternateContent xmlns:mc="http://schemas.openxmlformats.org/markup-compatibility/2006" xmlns:p14="http://schemas.microsoft.com/office/powerpoint/2010/main">
+        <mc:Choice Requires="p14">
+          <p:contentPart p14:bwMode="auto" r:id="rId6">
+            <p14:nvContentPartPr>
+              <p14:cNvPr id="3" name="Ink 2">
+                <a:extLst>
+                  <a:ext uri="{FF2B5EF4-FFF2-40B4-BE49-F238E27FC236}">
+                    <a16:creationId xmlns:a16="http://schemas.microsoft.com/office/drawing/2014/main" id="{21931F29-A31E-9501-BF8B-1711BCAE26AA}"/>
+                  </a:ext>
+                </a:extLst>
+              </p14:cNvPr>
+              <p14:cNvContentPartPr/>
+              <p14:nvPr/>
+            </p14:nvContentPartPr>
+            <p14:xfrm>
+              <a:off x="1307702" y="694253"/>
+              <a:ext cx="360" cy="360"/>
+            </p14:xfrm>
+          </p:contentPart>
+        </mc:Choice>
+        <mc:Fallback xmlns="">
+          <p:pic>
+            <p:nvPicPr>
+              <p:cNvPr id="3" name="Ink 2">
+                <a:extLst>
+                  <a:ext uri="{FF2B5EF4-FFF2-40B4-BE49-F238E27FC236}">
+                    <a16:creationId xmlns:a16="http://schemas.microsoft.com/office/drawing/2014/main" id="{21931F29-A31E-9501-BF8B-1711BCAE26AA}"/>
+                  </a:ext>
+                </a:extLst>
+              </p:cNvPr>
+              <p:cNvPicPr/>
+              <p:nvPr/>
+            </p:nvPicPr>
+            <p:blipFill>
+              <a:blip r:embed="rId7"/>
+              <a:stretch>
+                <a:fillRect/>
+              </a:stretch>
+            </p:blipFill>
+            <p:spPr>
+              <a:xfrm>
+                <a:off x="1253702" y="586253"/>
+                <a:ext cx="108000" cy="216000"/>
+              </a:xfrm>
+              <a:prstGeom prst="rect">
+                <a:avLst/>
+              </a:prstGeom>
+            </p:spPr>
+          </p:pic>
+        </mc:Fallback>
+      </mc:AlternateContent>
+      <mc:AlternateContent xmlns:mc="http://schemas.openxmlformats.org/markup-compatibility/2006" xmlns:p14="http://schemas.microsoft.com/office/powerpoint/2010/main">
+        <mc:Choice Requires="p14">
+          <p:contentPart p14:bwMode="auto" r:id="rId8">
+            <p14:nvContentPartPr>
+              <p14:cNvPr id="8" name="Ink 7">
+                <a:extLst>
+                  <a:ext uri="{FF2B5EF4-FFF2-40B4-BE49-F238E27FC236}">
+                    <a16:creationId xmlns:a16="http://schemas.microsoft.com/office/drawing/2014/main" id="{40DE0AA0-739C-9391-FF2E-87CFD604673C}"/>
+                  </a:ext>
+                </a:extLst>
+              </p14:cNvPr>
+              <p14:cNvContentPartPr/>
+              <p14:nvPr/>
+            </p14:nvContentPartPr>
+            <p14:xfrm>
+              <a:off x="1307702" y="694253"/>
+              <a:ext cx="360" cy="360"/>
+            </p14:xfrm>
+          </p:contentPart>
+        </mc:Choice>
+        <mc:Fallback xmlns="">
+          <p:pic>
+            <p:nvPicPr>
+              <p:cNvPr id="8" name="Ink 7">
+                <a:extLst>
+                  <a:ext uri="{FF2B5EF4-FFF2-40B4-BE49-F238E27FC236}">
+                    <a16:creationId xmlns:a16="http://schemas.microsoft.com/office/drawing/2014/main" id="{40DE0AA0-739C-9391-FF2E-87CFD604673C}"/>
+                  </a:ext>
+                </a:extLst>
+              </p:cNvPr>
+              <p:cNvPicPr/>
+              <p:nvPr/>
+            </p:nvPicPr>
+            <p:blipFill>
+              <a:blip r:embed="rId7"/>
+              <a:stretch>
+                <a:fillRect/>
+              </a:stretch>
+            </p:blipFill>
+            <p:spPr>
+              <a:xfrm>
+                <a:off x="1253702" y="586253"/>
+                <a:ext cx="108000" cy="216000"/>
+              </a:xfrm>
+              <a:prstGeom prst="rect">
+                <a:avLst/>
+              </a:prstGeom>
+            </p:spPr>
+          </p:pic>
+        </mc:Fallback>
+      </mc:AlternateContent>
+      <mc:AlternateContent xmlns:mc="http://schemas.openxmlformats.org/markup-compatibility/2006" xmlns:p14="http://schemas.microsoft.com/office/powerpoint/2010/main">
+        <mc:Choice Requires="p14">
+          <p:contentPart p14:bwMode="auto" r:id="rId9">
+            <p14:nvContentPartPr>
+              <p14:cNvPr id="9" name="Ink 8">
+                <a:extLst>
+                  <a:ext uri="{FF2B5EF4-FFF2-40B4-BE49-F238E27FC236}">
+                    <a16:creationId xmlns:a16="http://schemas.microsoft.com/office/drawing/2014/main" id="{74ADC4FC-B0B7-1E20-6144-A95987B1594F}"/>
+                  </a:ext>
+                </a:extLst>
+              </p14:cNvPr>
+              <p14:cNvContentPartPr/>
+              <p14:nvPr/>
+            </p14:nvContentPartPr>
+            <p14:xfrm>
+              <a:off x="2916542" y="439373"/>
+              <a:ext cx="360" cy="360"/>
+            </p14:xfrm>
+          </p:contentPart>
+        </mc:Choice>
+        <mc:Fallback xmlns="">
+          <p:pic>
+            <p:nvPicPr>
+              <p:cNvPr id="9" name="Ink 8">
+                <a:extLst>
+                  <a:ext uri="{FF2B5EF4-FFF2-40B4-BE49-F238E27FC236}">
+                    <a16:creationId xmlns:a16="http://schemas.microsoft.com/office/drawing/2014/main" id="{74ADC4FC-B0B7-1E20-6144-A95987B1594F}"/>
+                  </a:ext>
+                </a:extLst>
+              </p:cNvPr>
+              <p:cNvPicPr/>
+              <p:nvPr/>
+            </p:nvPicPr>
+            <p:blipFill>
+              <a:blip r:embed="rId7"/>
+              <a:stretch>
+                <a:fillRect/>
+              </a:stretch>
+            </p:blipFill>
+            <p:spPr>
+              <a:xfrm>
+                <a:off x="2862902" y="331733"/>
+                <a:ext cx="108000" cy="216000"/>
+              </a:xfrm>
+              <a:prstGeom prst="rect">
+                <a:avLst/>
+              </a:prstGeom>
+            </p:spPr>
+          </p:pic>
+        </mc:Fallback>
+      </mc:AlternateContent>
+      <mc:AlternateContent xmlns:mc="http://schemas.openxmlformats.org/markup-compatibility/2006" xmlns:p14="http://schemas.microsoft.com/office/powerpoint/2010/main">
+        <mc:Choice Requires="p14">
+          <p:contentPart p14:bwMode="auto" r:id="rId10">
+            <p14:nvContentPartPr>
+              <p14:cNvPr id="11" name="Ink 10">
+                <a:extLst>
+                  <a:ext uri="{FF2B5EF4-FFF2-40B4-BE49-F238E27FC236}">
+                    <a16:creationId xmlns:a16="http://schemas.microsoft.com/office/drawing/2014/main" id="{7FC068A2-54D2-94F0-4F25-2B3470961588}"/>
+                  </a:ext>
+                </a:extLst>
+              </p14:cNvPr>
+              <p14:cNvContentPartPr/>
+              <p14:nvPr/>
+            </p14:nvContentPartPr>
+            <p14:xfrm>
+              <a:off x="2916542" y="439373"/>
+              <a:ext cx="360" cy="360"/>
+            </p14:xfrm>
+          </p:contentPart>
+        </mc:Choice>
+        <mc:Fallback xmlns="">
+          <p:pic>
+            <p:nvPicPr>
+              <p:cNvPr id="11" name="Ink 10">
+                <a:extLst>
+                  <a:ext uri="{FF2B5EF4-FFF2-40B4-BE49-F238E27FC236}">
+                    <a16:creationId xmlns:a16="http://schemas.microsoft.com/office/drawing/2014/main" id="{7FC068A2-54D2-94F0-4F25-2B3470961588}"/>
+                  </a:ext>
+                </a:extLst>
+              </p:cNvPr>
+              <p:cNvPicPr/>
+              <p:nvPr/>
+            </p:nvPicPr>
+            <p:blipFill>
+              <a:blip r:embed="rId7"/>
+              <a:stretch>
+                <a:fillRect/>
+              </a:stretch>
+            </p:blipFill>
+            <p:spPr>
+              <a:xfrm>
+                <a:off x="2862902" y="331733"/>
+                <a:ext cx="108000" cy="216000"/>
+              </a:xfrm>
+              <a:prstGeom prst="rect">
+                <a:avLst/>
+              </a:prstGeom>
+            </p:spPr>
+          </p:pic>
+        </mc:Fallback>
+      </mc:AlternateContent>
     </p:spTree>
     <p:extLst>
       <p:ext uri="{BB962C8B-B14F-4D97-AF65-F5344CB8AC3E}">
